--- a/Netflix_au_service_du_printemps.pptx
+++ b/Netflix_au_service_du_printemps.pptx
@@ -3769,8 +3769,29 @@
             </a:r>
             <a:r>
               <a:rPr dirty="0"/>
-              <a:t> Spring Cloud.</a:t>
-            </a:r>
+              <a:t> Spring </a:t>
+            </a:r>
+            <a:r>
+              <a:rPr dirty="0" smtClean="0"/>
+              <a:t>Cloud</a:t>
+            </a:r>
+            <a:r>
+              <a:rPr lang="fr-CH" dirty="0" smtClean="0"/>
+              <a:t> et </a:t>
+            </a:r>
+            <a:r>
+              <a:rPr lang="fr-CH" dirty="0" err="1" smtClean="0"/>
+              <a:t>Netflix</a:t>
+            </a:r>
+            <a:r>
+              <a:rPr lang="fr-CH" smtClean="0"/>
+              <a:t> Eureka</a:t>
+            </a:r>
+            <a:r>
+              <a:rPr smtClean="0"/>
+              <a:t>.</a:t>
+            </a:r>
+            <a:endParaRPr dirty="0"/>
           </a:p>
           <a:p>
             <a:endParaRPr dirty="0"/>

--- a/Netflix_au_service_du_printemps.pptx
+++ b/Netflix_au_service_du_printemps.pptx
@@ -12,7 +12,8 @@
     <p:sldId id="260" r:id="rId6"/>
     <p:sldId id="261" r:id="rId7"/>
     <p:sldId id="262" r:id="rId8"/>
-    <p:sldId id="263" r:id="rId9"/>
+    <p:sldId id="264" r:id="rId9"/>
+    <p:sldId id="263" r:id="rId10"/>
   </p:sldIdLst>
   <p:sldSz cx="9144000" cy="6858000" type="screen4x3"/>
   <p:notesSz cx="6858000" cy="9144000"/>
@@ -168,10 +169,9 @@
           <a:lstStyle/>
           <a:p>
             <a:r>
-              <a:rPr lang="en-US" smtClean="0"/>
+              <a:rPr lang="en-US"/>
               <a:t>Click to edit Master title style</a:t>
             </a:r>
-            <a:endParaRPr lang="en-US"/>
           </a:p>
         </p:txBody>
       </p:sp>
@@ -287,10 +287,9 @@
           </a:lstStyle>
           <a:p>
             <a:r>
-              <a:rPr lang="en-US" smtClean="0"/>
+              <a:rPr lang="en-US"/>
               <a:t>Click to edit Master subtitle style</a:t>
             </a:r>
-            <a:endParaRPr lang="en-US"/>
           </a:p>
         </p:txBody>
       </p:sp>
@@ -311,7 +310,7 @@
           <a:p>
             <a:fld id="{5BCAD085-E8A6-8845-BD4E-CB4CCA059FC4}" type="datetimeFigureOut">
               <a:rPr lang="en-US" smtClean="0"/>
-              <a:t>9/8/2024</a:t>
+              <a:t>9/15/2024</a:t>
             </a:fld>
             <a:endParaRPr lang="en-US"/>
           </a:p>
@@ -405,10 +404,9 @@
           <a:lstStyle/>
           <a:p>
             <a:r>
-              <a:rPr lang="en-US" smtClean="0"/>
+              <a:rPr lang="en-US"/>
               <a:t>Click to edit Master title style</a:t>
             </a:r>
-            <a:endParaRPr lang="en-US"/>
           </a:p>
         </p:txBody>
       </p:sp>
@@ -429,38 +427,37 @@
           <a:p>
             <a:pPr lvl="0"/>
             <a:r>
-              <a:rPr lang="en-US" smtClean="0"/>
+              <a:rPr lang="en-US"/>
               <a:t>Click to edit Master text styles</a:t>
             </a:r>
           </a:p>
           <a:p>
             <a:pPr lvl="1"/>
             <a:r>
-              <a:rPr lang="en-US" smtClean="0"/>
+              <a:rPr lang="en-US"/>
               <a:t>Second level</a:t>
             </a:r>
           </a:p>
           <a:p>
             <a:pPr lvl="2"/>
             <a:r>
-              <a:rPr lang="en-US" smtClean="0"/>
+              <a:rPr lang="en-US"/>
               <a:t>Third level</a:t>
             </a:r>
           </a:p>
           <a:p>
             <a:pPr lvl="3"/>
             <a:r>
-              <a:rPr lang="en-US" smtClean="0"/>
+              <a:rPr lang="en-US"/>
               <a:t>Fourth level</a:t>
             </a:r>
           </a:p>
           <a:p>
             <a:pPr lvl="4"/>
             <a:r>
-              <a:rPr lang="en-US" smtClean="0"/>
+              <a:rPr lang="en-US"/>
               <a:t>Fifth level</a:t>
             </a:r>
-            <a:endParaRPr lang="en-US"/>
           </a:p>
         </p:txBody>
       </p:sp>
@@ -481,7 +478,7 @@
           <a:p>
             <a:fld id="{5BCAD085-E8A6-8845-BD4E-CB4CCA059FC4}" type="datetimeFigureOut">
               <a:rPr lang="en-US" smtClean="0"/>
-              <a:t>9/8/2024</a:t>
+              <a:t>9/15/2024</a:t>
             </a:fld>
             <a:endParaRPr lang="en-US"/>
           </a:p>
@@ -580,10 +577,9 @@
           <a:lstStyle/>
           <a:p>
             <a:r>
-              <a:rPr lang="en-US" smtClean="0"/>
+              <a:rPr lang="en-US"/>
               <a:t>Click to edit Master title style</a:t>
             </a:r>
-            <a:endParaRPr lang="en-US"/>
           </a:p>
         </p:txBody>
       </p:sp>
@@ -609,38 +605,37 @@
           <a:p>
             <a:pPr lvl="0"/>
             <a:r>
-              <a:rPr lang="en-US" smtClean="0"/>
+              <a:rPr lang="en-US"/>
               <a:t>Click to edit Master text styles</a:t>
             </a:r>
           </a:p>
           <a:p>
             <a:pPr lvl="1"/>
             <a:r>
-              <a:rPr lang="en-US" smtClean="0"/>
+              <a:rPr lang="en-US"/>
               <a:t>Second level</a:t>
             </a:r>
           </a:p>
           <a:p>
             <a:pPr lvl="2"/>
             <a:r>
-              <a:rPr lang="en-US" smtClean="0"/>
+              <a:rPr lang="en-US"/>
               <a:t>Third level</a:t>
             </a:r>
           </a:p>
           <a:p>
             <a:pPr lvl="3"/>
             <a:r>
-              <a:rPr lang="en-US" smtClean="0"/>
+              <a:rPr lang="en-US"/>
               <a:t>Fourth level</a:t>
             </a:r>
           </a:p>
           <a:p>
             <a:pPr lvl="4"/>
             <a:r>
-              <a:rPr lang="en-US" smtClean="0"/>
+              <a:rPr lang="en-US"/>
               <a:t>Fifth level</a:t>
             </a:r>
-            <a:endParaRPr lang="en-US"/>
           </a:p>
         </p:txBody>
       </p:sp>
@@ -661,7 +656,7 @@
           <a:p>
             <a:fld id="{5BCAD085-E8A6-8845-BD4E-CB4CCA059FC4}" type="datetimeFigureOut">
               <a:rPr lang="en-US" smtClean="0"/>
-              <a:t>9/8/2024</a:t>
+              <a:t>9/15/2024</a:t>
             </a:fld>
             <a:endParaRPr lang="en-US"/>
           </a:p>
@@ -755,10 +750,9 @@
           <a:lstStyle/>
           <a:p>
             <a:r>
-              <a:rPr lang="en-US" smtClean="0"/>
+              <a:rPr lang="en-US"/>
               <a:t>Click to edit Master title style</a:t>
             </a:r>
-            <a:endParaRPr lang="en-US"/>
           </a:p>
         </p:txBody>
       </p:sp>
@@ -779,38 +773,37 @@
           <a:p>
             <a:pPr lvl="0"/>
             <a:r>
-              <a:rPr lang="en-US" smtClean="0"/>
+              <a:rPr lang="en-US"/>
               <a:t>Click to edit Master text styles</a:t>
             </a:r>
           </a:p>
           <a:p>
             <a:pPr lvl="1"/>
             <a:r>
-              <a:rPr lang="en-US" smtClean="0"/>
+              <a:rPr lang="en-US"/>
               <a:t>Second level</a:t>
             </a:r>
           </a:p>
           <a:p>
             <a:pPr lvl="2"/>
             <a:r>
-              <a:rPr lang="en-US" smtClean="0"/>
+              <a:rPr lang="en-US"/>
               <a:t>Third level</a:t>
             </a:r>
           </a:p>
           <a:p>
             <a:pPr lvl="3"/>
             <a:r>
-              <a:rPr lang="en-US" smtClean="0"/>
+              <a:rPr lang="en-US"/>
               <a:t>Fourth level</a:t>
             </a:r>
           </a:p>
           <a:p>
             <a:pPr lvl="4"/>
             <a:r>
-              <a:rPr lang="en-US" smtClean="0"/>
+              <a:rPr lang="en-US"/>
               <a:t>Fifth level</a:t>
             </a:r>
-            <a:endParaRPr lang="en-US"/>
           </a:p>
         </p:txBody>
       </p:sp>
@@ -831,7 +824,7 @@
           <a:p>
             <a:fld id="{5BCAD085-E8A6-8845-BD4E-CB4CCA059FC4}" type="datetimeFigureOut">
               <a:rPr lang="en-US" smtClean="0"/>
-              <a:t>9/8/2024</a:t>
+              <a:t>9/15/2024</a:t>
             </a:fld>
             <a:endParaRPr lang="en-US"/>
           </a:p>
@@ -934,10 +927,9 @@
           </a:lstStyle>
           <a:p>
             <a:r>
-              <a:rPr lang="en-US" smtClean="0"/>
+              <a:rPr lang="en-US"/>
               <a:t>Click to edit Master title style</a:t>
             </a:r>
-            <a:endParaRPr lang="en-US"/>
           </a:p>
         </p:txBody>
       </p:sp>
@@ -1054,7 +1046,7 @@
           <a:p>
             <a:pPr lvl="0"/>
             <a:r>
-              <a:rPr lang="en-US" smtClean="0"/>
+              <a:rPr lang="en-US"/>
               <a:t>Click to edit Master text styles</a:t>
             </a:r>
           </a:p>
@@ -1077,7 +1069,7 @@
           <a:p>
             <a:fld id="{5BCAD085-E8A6-8845-BD4E-CB4CCA059FC4}" type="datetimeFigureOut">
               <a:rPr lang="en-US" smtClean="0"/>
-              <a:t>9/8/2024</a:t>
+              <a:t>9/15/2024</a:t>
             </a:fld>
             <a:endParaRPr lang="en-US"/>
           </a:p>
@@ -1171,10 +1163,9 @@
           <a:lstStyle/>
           <a:p>
             <a:r>
-              <a:rPr lang="en-US" smtClean="0"/>
+              <a:rPr lang="en-US"/>
               <a:t>Click to edit Master title style</a:t>
             </a:r>
-            <a:endParaRPr lang="en-US"/>
           </a:p>
         </p:txBody>
       </p:sp>
@@ -1228,38 +1219,37 @@
           <a:p>
             <a:pPr lvl="0"/>
             <a:r>
-              <a:rPr lang="en-US" smtClean="0"/>
+              <a:rPr lang="en-US"/>
               <a:t>Click to edit Master text styles</a:t>
             </a:r>
           </a:p>
           <a:p>
             <a:pPr lvl="1"/>
             <a:r>
-              <a:rPr lang="en-US" smtClean="0"/>
+              <a:rPr lang="en-US"/>
               <a:t>Second level</a:t>
             </a:r>
           </a:p>
           <a:p>
             <a:pPr lvl="2"/>
             <a:r>
-              <a:rPr lang="en-US" smtClean="0"/>
+              <a:rPr lang="en-US"/>
               <a:t>Third level</a:t>
             </a:r>
           </a:p>
           <a:p>
             <a:pPr lvl="3"/>
             <a:r>
-              <a:rPr lang="en-US" smtClean="0"/>
+              <a:rPr lang="en-US"/>
               <a:t>Fourth level</a:t>
             </a:r>
           </a:p>
           <a:p>
             <a:pPr lvl="4"/>
             <a:r>
-              <a:rPr lang="en-US" smtClean="0"/>
+              <a:rPr lang="en-US"/>
               <a:t>Fifth level</a:t>
             </a:r>
-            <a:endParaRPr lang="en-US"/>
           </a:p>
         </p:txBody>
       </p:sp>
@@ -1313,38 +1303,37 @@
           <a:p>
             <a:pPr lvl="0"/>
             <a:r>
-              <a:rPr lang="en-US" smtClean="0"/>
+              <a:rPr lang="en-US"/>
               <a:t>Click to edit Master text styles</a:t>
             </a:r>
           </a:p>
           <a:p>
             <a:pPr lvl="1"/>
             <a:r>
-              <a:rPr lang="en-US" smtClean="0"/>
+              <a:rPr lang="en-US"/>
               <a:t>Second level</a:t>
             </a:r>
           </a:p>
           <a:p>
             <a:pPr lvl="2"/>
             <a:r>
-              <a:rPr lang="en-US" smtClean="0"/>
+              <a:rPr lang="en-US"/>
               <a:t>Third level</a:t>
             </a:r>
           </a:p>
           <a:p>
             <a:pPr lvl="3"/>
             <a:r>
-              <a:rPr lang="en-US" smtClean="0"/>
+              <a:rPr lang="en-US"/>
               <a:t>Fourth level</a:t>
             </a:r>
           </a:p>
           <a:p>
             <a:pPr lvl="4"/>
             <a:r>
-              <a:rPr lang="en-US" smtClean="0"/>
+              <a:rPr lang="en-US"/>
               <a:t>Fifth level</a:t>
             </a:r>
-            <a:endParaRPr lang="en-US"/>
           </a:p>
         </p:txBody>
       </p:sp>
@@ -1365,7 +1354,7 @@
           <a:p>
             <a:fld id="{5BCAD085-E8A6-8845-BD4E-CB4CCA059FC4}" type="datetimeFigureOut">
               <a:rPr lang="en-US" smtClean="0"/>
-              <a:t>9/8/2024</a:t>
+              <a:t>9/15/2024</a:t>
             </a:fld>
             <a:endParaRPr lang="en-US"/>
           </a:p>
@@ -1463,10 +1452,9 @@
           </a:lstStyle>
           <a:p>
             <a:r>
-              <a:rPr lang="en-US" smtClean="0"/>
+              <a:rPr lang="en-US"/>
               <a:t>Click to edit Master title style</a:t>
             </a:r>
-            <a:endParaRPr lang="en-US"/>
           </a:p>
         </p:txBody>
       </p:sp>
@@ -1529,7 +1517,7 @@
           <a:p>
             <a:pPr lvl="0"/>
             <a:r>
-              <a:rPr lang="en-US" smtClean="0"/>
+              <a:rPr lang="en-US"/>
               <a:t>Click to edit Master text styles</a:t>
             </a:r>
           </a:p>
@@ -1585,38 +1573,37 @@
           <a:p>
             <a:pPr lvl="0"/>
             <a:r>
-              <a:rPr lang="en-US" smtClean="0"/>
+              <a:rPr lang="en-US"/>
               <a:t>Click to edit Master text styles</a:t>
             </a:r>
           </a:p>
           <a:p>
             <a:pPr lvl="1"/>
             <a:r>
-              <a:rPr lang="en-US" smtClean="0"/>
+              <a:rPr lang="en-US"/>
               <a:t>Second level</a:t>
             </a:r>
           </a:p>
           <a:p>
             <a:pPr lvl="2"/>
             <a:r>
-              <a:rPr lang="en-US" smtClean="0"/>
+              <a:rPr lang="en-US"/>
               <a:t>Third level</a:t>
             </a:r>
           </a:p>
           <a:p>
             <a:pPr lvl="3"/>
             <a:r>
-              <a:rPr lang="en-US" smtClean="0"/>
+              <a:rPr lang="en-US"/>
               <a:t>Fourth level</a:t>
             </a:r>
           </a:p>
           <a:p>
             <a:pPr lvl="4"/>
             <a:r>
-              <a:rPr lang="en-US" smtClean="0"/>
+              <a:rPr lang="en-US"/>
               <a:t>Fifth level</a:t>
             </a:r>
-            <a:endParaRPr lang="en-US"/>
           </a:p>
         </p:txBody>
       </p:sp>
@@ -1679,7 +1666,7 @@
           <a:p>
             <a:pPr lvl="0"/>
             <a:r>
-              <a:rPr lang="en-US" smtClean="0"/>
+              <a:rPr lang="en-US"/>
               <a:t>Click to edit Master text styles</a:t>
             </a:r>
           </a:p>
@@ -1735,38 +1722,37 @@
           <a:p>
             <a:pPr lvl="0"/>
             <a:r>
-              <a:rPr lang="en-US" smtClean="0"/>
+              <a:rPr lang="en-US"/>
               <a:t>Click to edit Master text styles</a:t>
             </a:r>
           </a:p>
           <a:p>
             <a:pPr lvl="1"/>
             <a:r>
-              <a:rPr lang="en-US" smtClean="0"/>
+              <a:rPr lang="en-US"/>
               <a:t>Second level</a:t>
             </a:r>
           </a:p>
           <a:p>
             <a:pPr lvl="2"/>
             <a:r>
-              <a:rPr lang="en-US" smtClean="0"/>
+              <a:rPr lang="en-US"/>
               <a:t>Third level</a:t>
             </a:r>
           </a:p>
           <a:p>
             <a:pPr lvl="3"/>
             <a:r>
-              <a:rPr lang="en-US" smtClean="0"/>
+              <a:rPr lang="en-US"/>
               <a:t>Fourth level</a:t>
             </a:r>
           </a:p>
           <a:p>
             <a:pPr lvl="4"/>
             <a:r>
-              <a:rPr lang="en-US" smtClean="0"/>
+              <a:rPr lang="en-US"/>
               <a:t>Fifth level</a:t>
             </a:r>
-            <a:endParaRPr lang="en-US"/>
           </a:p>
         </p:txBody>
       </p:sp>
@@ -1787,7 +1773,7 @@
           <a:p>
             <a:fld id="{5BCAD085-E8A6-8845-BD4E-CB4CCA059FC4}" type="datetimeFigureOut">
               <a:rPr lang="en-US" smtClean="0"/>
-              <a:t>9/8/2024</a:t>
+              <a:t>9/15/2024</a:t>
             </a:fld>
             <a:endParaRPr lang="en-US"/>
           </a:p>
@@ -1881,10 +1867,9 @@
           <a:lstStyle/>
           <a:p>
             <a:r>
-              <a:rPr lang="en-US" smtClean="0"/>
+              <a:rPr lang="en-US"/>
               <a:t>Click to edit Master title style</a:t>
             </a:r>
-            <a:endParaRPr lang="en-US"/>
           </a:p>
         </p:txBody>
       </p:sp>
@@ -1905,7 +1890,7 @@
           <a:p>
             <a:fld id="{5BCAD085-E8A6-8845-BD4E-CB4CCA059FC4}" type="datetimeFigureOut">
               <a:rPr lang="en-US" smtClean="0"/>
-              <a:t>9/8/2024</a:t>
+              <a:t>9/15/2024</a:t>
             </a:fld>
             <a:endParaRPr lang="en-US"/>
           </a:p>
@@ -2000,7 +1985,7 @@
           <a:p>
             <a:fld id="{5BCAD085-E8A6-8845-BD4E-CB4CCA059FC4}" type="datetimeFigureOut">
               <a:rPr lang="en-US" smtClean="0"/>
-              <a:t>9/8/2024</a:t>
+              <a:t>9/15/2024</a:t>
             </a:fld>
             <a:endParaRPr lang="en-US"/>
           </a:p>
@@ -2103,10 +2088,9 @@
           </a:lstStyle>
           <a:p>
             <a:r>
-              <a:rPr lang="en-US" smtClean="0"/>
+              <a:rPr lang="en-US"/>
               <a:t>Click to edit Master title style</a:t>
             </a:r>
-            <a:endParaRPr lang="en-US"/>
           </a:p>
         </p:txBody>
       </p:sp>
@@ -2160,38 +2144,37 @@
           <a:p>
             <a:pPr lvl="0"/>
             <a:r>
-              <a:rPr lang="en-US" smtClean="0"/>
+              <a:rPr lang="en-US"/>
               <a:t>Click to edit Master text styles</a:t>
             </a:r>
           </a:p>
           <a:p>
             <a:pPr lvl="1"/>
             <a:r>
-              <a:rPr lang="en-US" smtClean="0"/>
+              <a:rPr lang="en-US"/>
               <a:t>Second level</a:t>
             </a:r>
           </a:p>
           <a:p>
             <a:pPr lvl="2"/>
             <a:r>
-              <a:rPr lang="en-US" smtClean="0"/>
+              <a:rPr lang="en-US"/>
               <a:t>Third level</a:t>
             </a:r>
           </a:p>
           <a:p>
             <a:pPr lvl="3"/>
             <a:r>
-              <a:rPr lang="en-US" smtClean="0"/>
+              <a:rPr lang="en-US"/>
               <a:t>Fourth level</a:t>
             </a:r>
           </a:p>
           <a:p>
             <a:pPr lvl="4"/>
             <a:r>
-              <a:rPr lang="en-US" smtClean="0"/>
+              <a:rPr lang="en-US"/>
               <a:t>Fifth level</a:t>
             </a:r>
-            <a:endParaRPr lang="en-US"/>
           </a:p>
         </p:txBody>
       </p:sp>
@@ -2254,7 +2237,7 @@
           <a:p>
             <a:pPr lvl="0"/>
             <a:r>
-              <a:rPr lang="en-US" smtClean="0"/>
+              <a:rPr lang="en-US"/>
               <a:t>Click to edit Master text styles</a:t>
             </a:r>
           </a:p>
@@ -2277,7 +2260,7 @@
           <a:p>
             <a:fld id="{5BCAD085-E8A6-8845-BD4E-CB4CCA059FC4}" type="datetimeFigureOut">
               <a:rPr lang="en-US" smtClean="0"/>
-              <a:t>9/8/2024</a:t>
+              <a:t>9/15/2024</a:t>
             </a:fld>
             <a:endParaRPr lang="en-US"/>
           </a:p>
@@ -2380,10 +2363,9 @@
           </a:lstStyle>
           <a:p>
             <a:r>
-              <a:rPr lang="en-US" smtClean="0"/>
+              <a:rPr lang="en-US"/>
               <a:t>Click to edit Master title style</a:t>
             </a:r>
-            <a:endParaRPr lang="en-US"/>
           </a:p>
         </p:txBody>
       </p:sp>
@@ -2507,7 +2489,7 @@
           <a:p>
             <a:pPr lvl="0"/>
             <a:r>
-              <a:rPr lang="en-US" smtClean="0"/>
+              <a:rPr lang="en-US"/>
               <a:t>Click to edit Master text styles</a:t>
             </a:r>
           </a:p>
@@ -2530,7 +2512,7 @@
           <a:p>
             <a:fld id="{5BCAD085-E8A6-8845-BD4E-CB4CCA059FC4}" type="datetimeFigureOut">
               <a:rPr lang="en-US" smtClean="0"/>
-              <a:t>9/8/2024</a:t>
+              <a:t>9/15/2024</a:t>
             </a:fld>
             <a:endParaRPr lang="en-US"/>
           </a:p>
@@ -2639,10 +2621,9 @@
           <a:lstStyle/>
           <a:p>
             <a:r>
-              <a:rPr lang="en-US" smtClean="0"/>
+              <a:rPr lang="en-US"/>
               <a:t>Click to edit Master title style</a:t>
             </a:r>
-            <a:endParaRPr lang="en-US"/>
           </a:p>
         </p:txBody>
       </p:sp>
@@ -2673,38 +2654,37 @@
           <a:p>
             <a:pPr lvl="0"/>
             <a:r>
-              <a:rPr lang="en-US" smtClean="0"/>
+              <a:rPr lang="en-US"/>
               <a:t>Click to edit Master text styles</a:t>
             </a:r>
           </a:p>
           <a:p>
             <a:pPr lvl="1"/>
             <a:r>
-              <a:rPr lang="en-US" smtClean="0"/>
+              <a:rPr lang="en-US"/>
               <a:t>Second level</a:t>
             </a:r>
           </a:p>
           <a:p>
             <a:pPr lvl="2"/>
             <a:r>
-              <a:rPr lang="en-US" smtClean="0"/>
+              <a:rPr lang="en-US"/>
               <a:t>Third level</a:t>
             </a:r>
           </a:p>
           <a:p>
             <a:pPr lvl="3"/>
             <a:r>
-              <a:rPr lang="en-US" smtClean="0"/>
+              <a:rPr lang="en-US"/>
               <a:t>Fourth level</a:t>
             </a:r>
           </a:p>
           <a:p>
             <a:pPr lvl="4"/>
             <a:r>
-              <a:rPr lang="en-US" smtClean="0"/>
+              <a:rPr lang="en-US"/>
               <a:t>Fifth level</a:t>
             </a:r>
-            <a:endParaRPr lang="en-US"/>
           </a:p>
         </p:txBody>
       </p:sp>
@@ -2743,7 +2723,7 @@
           <a:p>
             <a:fld id="{5BCAD085-E8A6-8845-BD4E-CB4CCA059FC4}" type="datetimeFigureOut">
               <a:rPr lang="en-US" smtClean="0"/>
-              <a:t>9/8/2024</a:t>
+              <a:t>9/15/2024</a:t>
             </a:fld>
             <a:endParaRPr lang="en-US"/>
           </a:p>
@@ -3335,7 +3315,7 @@
           <a:lstStyle/>
           <a:p>
             <a:r>
-              <a:rPr lang="fr-FR" dirty="0" smtClean="0"/>
+              <a:rPr lang="fr-FR" dirty="0"/>
               <a:t>etflix au service du printemps</a:t>
             </a:r>
             <a:endParaRPr dirty="0"/>
@@ -3377,7 +3357,7 @@
           <a:lstStyle/>
           <a:p>
             <a:r>
-              <a:rPr lang="fr-CH" dirty="0" smtClean="0">
+              <a:rPr lang="fr-CH" dirty="0">
                 <a:effectLst>
                   <a:reflection endPos="12000" dist="50800" dir="5400000" sy="-100000" algn="bl" rotWithShape="0"/>
                 </a:effectLst>
@@ -3385,7 +3365,7 @@
               <a:t>Précédemment dans les </a:t>
             </a:r>
             <a:r>
-              <a:rPr lang="fr-CH" dirty="0" err="1" smtClean="0">
+              <a:rPr lang="fr-CH" dirty="0" err="1">
                 <a:effectLst>
                   <a:reflection endPos="12000" dist="50800" dir="5400000" sy="-100000" algn="bl" rotWithShape="0"/>
                 </a:effectLst>
@@ -3393,7 +3373,7 @@
               <a:t>microservices</a:t>
             </a:r>
             <a:r>
-              <a:rPr lang="fr-CH" dirty="0" smtClean="0">
+              <a:rPr lang="fr-CH" dirty="0">
                 <a:effectLst>
                   <a:reflection endPos="12000" dist="50800" dir="5400000" sy="-100000" algn="bl" rotWithShape="0"/>
                 </a:effectLst>
@@ -3545,7 +3525,7 @@
           </a:lstStyle>
           <a:p>
             <a:r>
-              <a:rPr lang="fr-FR" dirty="0" err="1" smtClean="0">
+              <a:rPr lang="fr-FR" dirty="0" err="1">
                 <a:solidFill>
                   <a:schemeClr val="bg1"/>
                 </a:solidFill>
@@ -3553,7 +3533,7 @@
               <a:t>Tada</a:t>
             </a:r>
             <a:r>
-              <a:rPr lang="fr-FR" sz="3600" dirty="0" err="1" smtClean="0">
+              <a:rPr lang="fr-FR" sz="3600" dirty="0" err="1">
                 <a:solidFill>
                   <a:schemeClr val="bg1"/>
                 </a:solidFill>
@@ -3561,7 +3541,7 @@
               <a:t>a</a:t>
             </a:r>
             <a:r>
-              <a:rPr lang="fr-FR" sz="3200" dirty="0" err="1" smtClean="0">
+              <a:rPr lang="fr-FR" sz="3200" dirty="0" err="1">
                 <a:solidFill>
                   <a:schemeClr val="bg1"/>
                 </a:solidFill>
@@ -3569,7 +3549,7 @@
               <a:t>a</a:t>
             </a:r>
             <a:r>
-              <a:rPr lang="fr-FR" sz="2800" dirty="0" err="1" smtClean="0">
+              <a:rPr lang="fr-FR" sz="2800" dirty="0" err="1">
                 <a:solidFill>
                   <a:schemeClr val="bg1"/>
                 </a:solidFill>
@@ -3589,13 +3569,6 @@
   <p:clrMapOvr>
     <a:masterClrMapping/>
   </p:clrMapOvr>
-  <p:timing>
-    <p:tnLst>
-      <p:par>
-        <p:cTn id="1" dur="indefinite" restart="never" nodeType="tmRoot"/>
-      </p:par>
-    </p:tnLst>
-  </p:timing>
 </p:sld>
 </file>
 
@@ -3705,11 +3678,11 @@
           </a:p>
           <a:p>
             <a:r>
-              <a:rPr dirty="0" err="1" smtClean="0"/>
+              <a:rPr dirty="0" err="1"/>
               <a:t>Présentation</a:t>
             </a:r>
             <a:r>
-              <a:rPr dirty="0" smtClean="0"/>
+              <a:rPr dirty="0"/>
               <a:t> </a:t>
             </a:r>
             <a:r>
@@ -3728,16 +3701,12 @@
           </a:p>
           <a:p>
             <a:r>
-              <a:rPr dirty="0" err="1" smtClean="0"/>
+              <a:rPr dirty="0" err="1"/>
               <a:t>Objectifs</a:t>
             </a:r>
             <a:r>
-              <a:rPr dirty="0" smtClean="0"/>
-              <a:t> </a:t>
-            </a:r>
-            <a:r>
               <a:rPr dirty="0"/>
-              <a:t>: Comparer </a:t>
+              <a:t> : Comparer </a:t>
             </a:r>
             <a:r>
               <a:rPr dirty="0" err="1"/>
@@ -3769,26 +3738,21 @@
             </a:r>
             <a:r>
               <a:rPr dirty="0"/>
-              <a:t> Spring </a:t>
-            </a:r>
-            <a:r>
-              <a:rPr dirty="0" smtClean="0"/>
-              <a:t>Cloud</a:t>
-            </a:r>
-            <a:r>
-              <a:rPr lang="fr-CH" dirty="0" smtClean="0"/>
+              <a:t> Spring Cloud</a:t>
+            </a:r>
+            <a:r>
+              <a:rPr lang="fr-CH" dirty="0"/>
               <a:t> et </a:t>
             </a:r>
             <a:r>
-              <a:rPr lang="fr-CH" dirty="0" err="1" smtClean="0"/>
+              <a:rPr lang="fr-CH" dirty="0" err="1"/>
               <a:t>Netflix</a:t>
             </a:r>
             <a:r>
-              <a:rPr lang="fr-CH" smtClean="0"/>
+              <a:rPr lang="fr-CH"/>
               <a:t> Eureka</a:t>
             </a:r>
             <a:r>
-              <a:rPr smtClean="0"/>
               <a:t>.</a:t>
             </a:r>
             <a:endParaRPr dirty="0"/>
@@ -3803,13 +3767,6 @@
   <p:clrMapOvr>
     <a:masterClrMapping/>
   </p:clrMapOvr>
-  <p:timing>
-    <p:tnLst>
-      <p:par>
-        <p:cTn id="1" dur="indefinite" restart="never" nodeType="tmRoot"/>
-      </p:par>
-    </p:tnLst>
-  </p:timing>
 </p:sld>
 </file>
 
@@ -3944,12 +3901,8 @@
           </a:p>
           <a:p>
             <a:r>
-              <a:rPr dirty="0" smtClean="0"/>
-              <a:t>Configuration </a:t>
-            </a:r>
-            <a:r>
               <a:rPr dirty="0"/>
-              <a:t>locale </a:t>
+              <a:t>Configuration locale </a:t>
             </a:r>
             <a:r>
               <a:rPr dirty="0" err="1"/>
@@ -3970,16 +3923,12 @@
           </a:p>
           <a:p>
             <a:r>
-              <a:rPr dirty="0" err="1" smtClean="0"/>
+              <a:rPr dirty="0" err="1"/>
               <a:t>Problèmes</a:t>
             </a:r>
             <a:r>
-              <a:rPr dirty="0" smtClean="0"/>
-              <a:t> </a:t>
-            </a:r>
-            <a:r>
               <a:rPr dirty="0"/>
-              <a:t>de duplication, </a:t>
+              <a:t> de duplication, </a:t>
             </a:r>
             <a:r>
               <a:rPr dirty="0" err="1"/>
@@ -3997,7 +3946,7 @@
           </a:p>
           <a:p>
             <a:r>
-              <a:rPr dirty="0" smtClean="0"/>
+              <a:rPr dirty="0"/>
               <a:t>URL </a:t>
             </a:r>
             <a:r>
@@ -4019,11 +3968,11 @@
           </a:p>
           <a:p>
             <a:r>
-              <a:rPr dirty="0" err="1" smtClean="0"/>
+              <a:rPr dirty="0" err="1"/>
               <a:t>Gestion</a:t>
             </a:r>
             <a:r>
-              <a:rPr dirty="0" smtClean="0"/>
+              <a:rPr dirty="0"/>
               <a:t> </a:t>
             </a:r>
             <a:r>
@@ -4058,13 +4007,6 @@
   <p:clrMapOvr>
     <a:masterClrMapping/>
   </p:clrMapOvr>
-  <p:timing>
-    <p:tnLst>
-      <p:par>
-        <p:cTn id="1" dur="indefinite" restart="never" nodeType="tmRoot"/>
-      </p:par>
-    </p:tnLst>
-  </p:timing>
 </p:sld>
 </file>
 
@@ -4178,16 +4120,12 @@
           </a:p>
           <a:p>
             <a:r>
-              <a:rPr dirty="0" err="1" smtClean="0"/>
+              <a:rPr dirty="0" err="1"/>
               <a:t>Centralisation</a:t>
             </a:r>
             <a:r>
-              <a:rPr dirty="0" smtClean="0"/>
-              <a:t> </a:t>
-            </a:r>
-            <a:r>
               <a:rPr dirty="0"/>
-              <a:t>des configurations avec Spring Cloud </a:t>
+              <a:t> des configurations avec Spring Cloud </a:t>
             </a:r>
             <a:r>
               <a:rPr dirty="0" err="1"/>
@@ -4197,11 +4135,11 @@
           </a:p>
           <a:p>
             <a:r>
-              <a:rPr dirty="0" err="1" smtClean="0"/>
+              <a:rPr dirty="0" err="1"/>
               <a:t>Enregistrement</a:t>
             </a:r>
             <a:r>
-              <a:rPr dirty="0" smtClean="0"/>
+              <a:rPr dirty="0"/>
               <a:t> </a:t>
             </a:r>
             <a:r>
@@ -4215,11 +4153,11 @@
           </a:p>
           <a:p>
             <a:r>
-              <a:rPr dirty="0" err="1" smtClean="0"/>
+              <a:rPr dirty="0" err="1"/>
               <a:t>Utilisation</a:t>
             </a:r>
             <a:r>
-              <a:rPr dirty="0" smtClean="0"/>
+              <a:rPr dirty="0"/>
               <a:t> </a:t>
             </a:r>
             <a:r>
@@ -4273,13 +4211,6 @@
   <p:clrMapOvr>
     <a:masterClrMapping/>
   </p:clrMapOvr>
-  <p:timing>
-    <p:tnLst>
-      <p:par>
-        <p:cTn id="1" dur="indefinite" restart="never" nodeType="tmRoot"/>
-      </p:par>
-    </p:tnLst>
-  </p:timing>
 </p:sld>
 </file>
 
@@ -4383,16 +4314,12 @@
           </a:p>
           <a:p>
             <a:r>
-              <a:rPr dirty="0" err="1" smtClean="0"/>
+              <a:rPr dirty="0" err="1"/>
               <a:t>Gestion</a:t>
             </a:r>
             <a:r>
-              <a:rPr dirty="0" smtClean="0"/>
-              <a:t> </a:t>
-            </a:r>
-            <a:r>
               <a:rPr dirty="0"/>
-              <a:t>des configurations : Local vs </a:t>
+              <a:t> des configurations : Local vs </a:t>
             </a:r>
             <a:r>
               <a:rPr dirty="0" err="1"/>
@@ -4402,30 +4329,22 @@
           </a:p>
           <a:p>
             <a:r>
-              <a:rPr dirty="0" err="1" smtClean="0"/>
+              <a:rPr dirty="0" err="1"/>
               <a:t>Découverte</a:t>
             </a:r>
             <a:r>
-              <a:rPr dirty="0" smtClean="0"/>
-              <a:t> </a:t>
-            </a:r>
-            <a:r>
               <a:rPr dirty="0"/>
-              <a:t>des services : URL fixes vs Dynamic Discovery avec Eureka</a:t>
-            </a:r>
-          </a:p>
-          <a:p>
-            <a:r>
-              <a:rPr dirty="0" err="1" smtClean="0"/>
+              <a:t> des services : URL fixes vs Dynamic Discovery avec Eureka</a:t>
+            </a:r>
+          </a:p>
+          <a:p>
+            <a:r>
+              <a:rPr dirty="0" err="1"/>
               <a:t>Routage</a:t>
             </a:r>
             <a:r>
-              <a:rPr dirty="0" smtClean="0"/>
-              <a:t> </a:t>
-            </a:r>
-            <a:r>
               <a:rPr dirty="0"/>
-              <a:t>et </a:t>
+              <a:t> et </a:t>
             </a:r>
             <a:r>
               <a:rPr dirty="0" err="1"/>
@@ -4467,13 +4386,6 @@
   <p:clrMapOvr>
     <a:masterClrMapping/>
   </p:clrMapOvr>
-  <p:timing>
-    <p:tnLst>
-      <p:par>
-        <p:cTn id="1" dur="indefinite" restart="never" nodeType="tmRoot"/>
-      </p:par>
-    </p:tnLst>
-  </p:timing>
 </p:sld>
 </file>
 
@@ -4579,16 +4491,12 @@
           </a:p>
           <a:p>
             <a:r>
-              <a:rPr dirty="0" err="1" smtClean="0"/>
+              <a:rPr dirty="0" err="1"/>
               <a:t>Flexibilité</a:t>
             </a:r>
             <a:r>
-              <a:rPr dirty="0" smtClean="0"/>
-              <a:t> </a:t>
-            </a:r>
-            <a:r>
               <a:rPr dirty="0"/>
-              <a:t>: </a:t>
+              <a:t> : </a:t>
             </a:r>
             <a:r>
               <a:rPr dirty="0" err="1"/>
@@ -4606,16 +4514,12 @@
           </a:p>
           <a:p>
             <a:r>
-              <a:rPr dirty="0" err="1" smtClean="0"/>
+              <a:rPr dirty="0" err="1"/>
               <a:t>Scalabilité</a:t>
             </a:r>
             <a:r>
-              <a:rPr dirty="0" smtClean="0"/>
-              <a:t> </a:t>
-            </a:r>
-            <a:r>
               <a:rPr dirty="0"/>
-              <a:t>: </a:t>
+              <a:t> : </a:t>
             </a:r>
             <a:r>
               <a:rPr dirty="0" err="1"/>
@@ -4633,16 +4537,12 @@
           </a:p>
           <a:p>
             <a:r>
-              <a:rPr dirty="0" err="1" smtClean="0"/>
+              <a:rPr dirty="0" err="1"/>
               <a:t>Résilience</a:t>
             </a:r>
             <a:r>
-              <a:rPr dirty="0" smtClean="0"/>
-              <a:t> </a:t>
-            </a:r>
-            <a:r>
               <a:rPr dirty="0"/>
-              <a:t>: </a:t>
+              <a:t> : </a:t>
             </a:r>
             <a:r>
               <a:rPr dirty="0" err="1"/>
@@ -4663,11 +4563,11 @@
           </a:p>
           <a:p>
             <a:r>
-              <a:rPr dirty="0" err="1" smtClean="0"/>
+              <a:rPr dirty="0" err="1"/>
               <a:t>Sécurité</a:t>
             </a:r>
             <a:r>
-              <a:rPr dirty="0" smtClean="0"/>
+              <a:rPr dirty="0"/>
               <a:t> </a:t>
             </a:r>
             <a:r>
@@ -4689,13 +4589,6 @@
   <p:clrMapOvr>
     <a:masterClrMapping/>
   </p:clrMapOvr>
-  <p:timing>
-    <p:tnLst>
-      <p:par>
-        <p:cTn id="1" dur="indefinite" restart="never" nodeType="tmRoot"/>
-      </p:par>
-    </p:tnLst>
-  </p:timing>
 </p:sld>
 </file>
 
@@ -4791,16 +4684,12 @@
           </a:p>
           <a:p>
             <a:r>
-              <a:rPr dirty="0" err="1" smtClean="0"/>
+              <a:rPr dirty="0" err="1"/>
               <a:t>Bénéfices</a:t>
             </a:r>
             <a:r>
-              <a:rPr dirty="0" smtClean="0"/>
-              <a:t> </a:t>
-            </a:r>
-            <a:r>
               <a:rPr dirty="0"/>
-              <a:t>de Spring Cloud : </a:t>
+              <a:t> de Spring Cloud : </a:t>
             </a:r>
             <a:r>
               <a:rPr dirty="0" err="1"/>
@@ -4822,16 +4711,35 @@
               <a:rPr dirty="0" err="1"/>
               <a:t>Scalabilité</a:t>
             </a:r>
-            <a:endParaRPr dirty="0"/>
-          </a:p>
-          <a:p>
-            <a:r>
-              <a:rPr dirty="0" smtClean="0"/>
-              <a:t>Simplification </a:t>
-            </a:r>
+            <a:endParaRPr lang="fr-CH" dirty="0"/>
+          </a:p>
+          <a:p>
+            <a:r>
+              <a:rPr lang="fr-FR" dirty="0">
+                <a:highlight>
+                  <a:srgbClr val="FFFF00"/>
+                </a:highlight>
+              </a:rPr>
+              <a:t>Bénéfices de Netflix Eureka : Les services ne sont connus que par le </a:t>
+            </a:r>
+            <a:r>
+              <a:rPr lang="fr-FR" dirty="0" err="1">
+                <a:highlight>
+                  <a:srgbClr val="FFFF00"/>
+                </a:highlight>
+              </a:rPr>
+              <a:t>discovery</a:t>
+            </a:r>
+            <a:endParaRPr dirty="0">
+              <a:highlight>
+                <a:srgbClr val="FFFF00"/>
+              </a:highlight>
+            </a:endParaRPr>
+          </a:p>
+          <a:p>
             <a:r>
               <a:rPr dirty="0"/>
-              <a:t>de la </a:t>
+              <a:t>Simplification de la </a:t>
             </a:r>
             <a:r>
               <a:rPr dirty="0" err="1"/>
@@ -4849,11 +4757,11 @@
           </a:p>
           <a:p>
             <a:r>
-              <a:rPr dirty="0" err="1" smtClean="0"/>
+              <a:rPr dirty="0" err="1"/>
               <a:t>Ouverture</a:t>
             </a:r>
             <a:r>
-              <a:rPr dirty="0" smtClean="0"/>
+              <a:rPr dirty="0"/>
               <a:t> </a:t>
             </a:r>
             <a:r>
@@ -4883,17 +4791,300 @@
   <p:clrMapOvr>
     <a:masterClrMapping/>
   </p:clrMapOvr>
-  <p:timing>
-    <p:tnLst>
-      <p:par>
-        <p:cTn id="1" dur="indefinite" restart="never" nodeType="tmRoot"/>
-      </p:par>
-    </p:tnLst>
-  </p:timing>
 </p:sld>
 </file>
 
 <file path=ppt/slides/slide8.xml><?xml version="1.0" encoding="utf-8"?>
+<p:sld xmlns:a="http://schemas.openxmlformats.org/drawingml/2006/main" xmlns:r="http://schemas.openxmlformats.org/officeDocument/2006/relationships" xmlns:p="http://schemas.openxmlformats.org/presentationml/2006/main">
+  <p:cSld>
+    <p:spTree>
+      <p:nvGrpSpPr>
+        <p:cNvPr id="1" name=""/>
+        <p:cNvGrpSpPr/>
+        <p:nvPr/>
+      </p:nvGrpSpPr>
+      <p:grpSpPr>
+        <a:xfrm>
+          <a:off x="0" y="0"/>
+          <a:ext cx="0" cy="0"/>
+          <a:chOff x="0" y="0"/>
+          <a:chExt cx="0" cy="0"/>
+        </a:xfrm>
+      </p:grpSpPr>
+      <p:sp>
+        <p:nvSpPr>
+          <p:cNvPr id="2" name="Titre 1">
+            <a:extLst>
+              <a:ext uri="{FF2B5EF4-FFF2-40B4-BE49-F238E27FC236}">
+                <a16:creationId xmlns:a16="http://schemas.microsoft.com/office/drawing/2014/main" id="{B6082AD3-348C-653C-0D9A-A4016C0DA175}"/>
+              </a:ext>
+            </a:extLst>
+          </p:cNvPr>
+          <p:cNvSpPr>
+            <a:spLocks noGrp="1"/>
+          </p:cNvSpPr>
+          <p:nvPr>
+            <p:ph type="title"/>
+          </p:nvPr>
+        </p:nvSpPr>
+        <p:spPr/>
+        <p:txBody>
+          <a:bodyPr>
+            <a:normAutofit fontScale="90000"/>
+          </a:bodyPr>
+          <a:lstStyle/>
+          <a:p>
+            <a:r>
+              <a:rPr lang="fr-CH" dirty="0"/>
+              <a:t> </a:t>
+            </a:r>
+            <a:br>
+              <a:rPr lang="fr-CH" dirty="0"/>
+            </a:br>
+            <a:br>
+              <a:rPr lang="fr-CH" dirty="0"/>
+            </a:br>
+            <a:br>
+              <a:rPr lang="fr-CH" dirty="0"/>
+            </a:br>
+            <a:br>
+              <a:rPr lang="fr-CH" dirty="0"/>
+            </a:br>
+            <a:br>
+              <a:rPr lang="fr-CH" dirty="0"/>
+            </a:br>
+            <a:endParaRPr lang="fr-FR" dirty="0"/>
+          </a:p>
+        </p:txBody>
+      </p:sp>
+      <p:pic>
+        <p:nvPicPr>
+          <p:cNvPr id="4" name="Image 3">
+            <a:extLst>
+              <a:ext uri="{FF2B5EF4-FFF2-40B4-BE49-F238E27FC236}">
+                <a16:creationId xmlns:a16="http://schemas.microsoft.com/office/drawing/2014/main" id="{01EC2429-17E0-8C59-B020-5822A2722A9D}"/>
+              </a:ext>
+            </a:extLst>
+          </p:cNvPr>
+          <p:cNvPicPr>
+            <a:picLocks noChangeAspect="1"/>
+          </p:cNvPicPr>
+          <p:nvPr/>
+        </p:nvPicPr>
+        <p:blipFill>
+          <a:blip r:embed="rId2">
+            <a:extLst>
+              <a:ext uri="{28A0092B-C50C-407E-A947-70E740481C1C}">
+                <a14:useLocalDpi xmlns:a14="http://schemas.microsoft.com/office/drawing/2010/main" val="0"/>
+              </a:ext>
+            </a:extLst>
+          </a:blip>
+          <a:stretch>
+            <a:fillRect/>
+          </a:stretch>
+        </p:blipFill>
+        <p:spPr>
+          <a:xfrm>
+            <a:off x="0" y="0"/>
+            <a:ext cx="9144000" cy="1576531"/>
+          </a:xfrm>
+          <a:prstGeom prst="rect">
+            <a:avLst/>
+          </a:prstGeom>
+        </p:spPr>
+      </p:pic>
+      <p:sp>
+        <p:nvSpPr>
+          <p:cNvPr id="5" name="Title 1">
+            <a:extLst>
+              <a:ext uri="{FF2B5EF4-FFF2-40B4-BE49-F238E27FC236}">
+                <a16:creationId xmlns:a16="http://schemas.microsoft.com/office/drawing/2014/main" id="{BC4F88DF-3595-9605-1D09-BE6FCF4704E9}"/>
+              </a:ext>
+            </a:extLst>
+          </p:cNvPr>
+          <p:cNvSpPr txBox="1">
+            <a:spLocks/>
+          </p:cNvSpPr>
+          <p:nvPr/>
+        </p:nvSpPr>
+        <p:spPr>
+          <a:xfrm>
+            <a:off x="457200" y="216765"/>
+            <a:ext cx="8229600" cy="1143000"/>
+          </a:xfrm>
+          <a:prstGeom prst="rect">
+            <a:avLst/>
+          </a:prstGeom>
+        </p:spPr>
+        <p:txBody>
+          <a:bodyPr vert="horz" lIns="91440" tIns="45720" rIns="91440" bIns="45720" rtlCol="0" anchor="ctr">
+            <a:normAutofit/>
+          </a:bodyPr>
+          <a:lstStyle>
+            <a:lvl1pPr algn="ctr" defTabSz="457200" rtl="0" eaLnBrk="1" latinLnBrk="0" hangingPunct="1">
+              <a:spcBef>
+                <a:spcPct val="0"/>
+              </a:spcBef>
+              <a:buNone/>
+              <a:defRPr sz="4400" kern="1200">
+                <a:solidFill>
+                  <a:schemeClr val="tx1"/>
+                </a:solidFill>
+                <a:latin typeface="+mj-lt"/>
+                <a:ea typeface="+mj-ea"/>
+                <a:cs typeface="+mj-cs"/>
+              </a:defRPr>
+            </a:lvl1pPr>
+          </a:lstStyle>
+          <a:p>
+            <a:r>
+              <a:rPr lang="fr-CH" dirty="0">
+                <a:solidFill>
+                  <a:srgbClr val="92D050"/>
+                </a:solidFill>
+              </a:rPr>
+              <a:t>F</a:t>
+            </a:r>
+            <a:r>
+              <a:rPr lang="fr-FR" dirty="0" err="1">
+                <a:solidFill>
+                  <a:srgbClr val="92D050"/>
+                </a:solidFill>
+              </a:rPr>
+              <a:t>ormation</a:t>
+            </a:r>
+            <a:endParaRPr lang="fr-FR" dirty="0">
+              <a:solidFill>
+                <a:srgbClr val="92D050"/>
+              </a:solidFill>
+            </a:endParaRPr>
+          </a:p>
+        </p:txBody>
+      </p:sp>
+      <p:sp>
+        <p:nvSpPr>
+          <p:cNvPr id="6" name="Content Placeholder 2">
+            <a:extLst>
+              <a:ext uri="{FF2B5EF4-FFF2-40B4-BE49-F238E27FC236}">
+                <a16:creationId xmlns:a16="http://schemas.microsoft.com/office/drawing/2014/main" id="{89C271BE-AB95-2A1B-8CB3-C4A801DE9AB7}"/>
+              </a:ext>
+            </a:extLst>
+          </p:cNvPr>
+          <p:cNvSpPr>
+            <a:spLocks noGrp="1"/>
+          </p:cNvSpPr>
+          <p:nvPr>
+            <p:ph idx="1"/>
+          </p:nvPr>
+        </p:nvSpPr>
+        <p:spPr>
+          <a:xfrm>
+            <a:off x="457200" y="1600200"/>
+            <a:ext cx="8229600" cy="4525963"/>
+          </a:xfrm>
+        </p:spPr>
+        <p:txBody>
+          <a:bodyPr>
+            <a:normAutofit fontScale="92500" lnSpcReduction="20000"/>
+          </a:bodyPr>
+          <a:lstStyle/>
+          <a:p>
+            <a:endParaRPr dirty="0"/>
+          </a:p>
+          <a:p>
+            <a:r>
+              <a:rPr lang="fr-CH" dirty="0"/>
+              <a:t>Apport de la formation</a:t>
+            </a:r>
+          </a:p>
+          <a:p>
+            <a:r>
+              <a:rPr lang="fr-CH" dirty="0"/>
+              <a:t>Difficultés</a:t>
+            </a:r>
+          </a:p>
+          <a:p>
+            <a:r>
+              <a:rPr lang="fr-CH" dirty="0"/>
+              <a:t>Temps forts</a:t>
+            </a:r>
+            <a:endParaRPr dirty="0"/>
+          </a:p>
+          <a:p>
+            <a:endParaRPr lang="fr-CH" dirty="0"/>
+          </a:p>
+          <a:p>
+            <a:r>
+              <a:rPr lang="fr-CH" dirty="0"/>
+              <a:t>Notes: 	</a:t>
+            </a:r>
+          </a:p>
+          <a:p>
+            <a:pPr lvl="3"/>
+            <a:r>
+              <a:rPr lang="fr-CH" dirty="0"/>
+              <a:t>Faire attention aux </a:t>
+            </a:r>
+            <a:r>
+              <a:rPr lang="fr-CH" dirty="0" err="1"/>
+              <a:t>accronymes</a:t>
+            </a:r>
+            <a:endParaRPr lang="fr-CH" dirty="0"/>
+          </a:p>
+          <a:p>
+            <a:pPr lvl="3"/>
+            <a:r>
+              <a:rPr lang="fr-CH" dirty="0"/>
+              <a:t>Vulgarisation</a:t>
+            </a:r>
+          </a:p>
+          <a:p>
+            <a:pPr lvl="3"/>
+            <a:r>
+              <a:rPr lang="fr-CH" dirty="0"/>
+              <a:t>Circuit Breaker</a:t>
+            </a:r>
+          </a:p>
+          <a:p>
+            <a:pPr lvl="3"/>
+            <a:r>
+              <a:rPr lang="fr-CH" dirty="0"/>
+              <a:t>Rate </a:t>
+            </a:r>
+            <a:r>
+              <a:rPr lang="fr-CH" dirty="0" err="1"/>
+              <a:t>limitter</a:t>
+            </a:r>
+            <a:endParaRPr lang="fr-CH" dirty="0"/>
+          </a:p>
+          <a:p>
+            <a:pPr lvl="3"/>
+            <a:r>
+              <a:rPr lang="fr-CH" dirty="0"/>
+              <a:t>Penser modulaire </a:t>
+            </a:r>
+            <a:r>
+              <a:rPr lang="fr-CH"/>
+              <a:t>et générique</a:t>
+            </a:r>
+            <a:endParaRPr dirty="0"/>
+          </a:p>
+        </p:txBody>
+      </p:sp>
+    </p:spTree>
+    <p:extLst>
+      <p:ext uri="{BB962C8B-B14F-4D97-AF65-F5344CB8AC3E}">
+        <p14:creationId xmlns:p14="http://schemas.microsoft.com/office/powerpoint/2010/main" val="1489139895"/>
+      </p:ext>
+    </p:extLst>
+  </p:cSld>
+  <p:clrMapOvr>
+    <a:masterClrMapping/>
+  </p:clrMapOvr>
+</p:sld>
+</file>
+
+<file path=ppt/slides/slide9.xml><?xml version="1.0" encoding="utf-8"?>
 <p:sld xmlns:a="http://schemas.openxmlformats.org/drawingml/2006/main" xmlns:r="http://schemas.openxmlformats.org/officeDocument/2006/relationships" xmlns:p="http://schemas.openxmlformats.org/presentationml/2006/main">
   <p:cSld>
     <p:spTree>
@@ -4998,18 +5189,13 @@
           </a:lstStyle>
           <a:p>
             <a:r>
-              <a:rPr lang="fr-FR" dirty="0" smtClean="0">
+              <a:rPr lang="fr-FR" dirty="0">
                 <a:solidFill>
                   <a:srgbClr val="92D050"/>
                 </a:solidFill>
               </a:rPr>
               <a:t>Questions</a:t>
             </a:r>
-            <a:endParaRPr lang="fr-FR" dirty="0">
-              <a:solidFill>
-                <a:srgbClr val="92D050"/>
-              </a:solidFill>
-            </a:endParaRPr>
           </a:p>
         </p:txBody>
       </p:sp>
@@ -5053,13 +5239,6 @@
   <p:clrMapOvr>
     <a:masterClrMapping/>
   </p:clrMapOvr>
-  <p:timing>
-    <p:tnLst>
-      <p:par>
-        <p:cTn id="1" dur="indefinite" restart="never" nodeType="tmRoot"/>
-      </p:par>
-    </p:tnLst>
-  </p:timing>
 </p:sld>
 </file>
 

--- a/Netflix_au_service_du_printemps.pptx
+++ b/Netflix_au_service_du_printemps.pptx
@@ -333,7 +333,7 @@
           <a:p>
             <a:fld id="{5BCAD085-E8A6-8845-BD4E-CB4CCA059FC4}" type="datetimeFigureOut">
               <a:rPr lang="en-US" smtClean="0"/>
-              <a:t>9/15/2024</a:t>
+              <a:t>10/11/2024</a:t>
             </a:fld>
             <a:endParaRPr lang="en-US"/>
           </a:p>
@@ -501,7 +501,7 @@
           <a:p>
             <a:fld id="{5BCAD085-E8A6-8845-BD4E-CB4CCA059FC4}" type="datetimeFigureOut">
               <a:rPr lang="en-US" smtClean="0"/>
-              <a:t>9/15/2024</a:t>
+              <a:t>10/11/2024</a:t>
             </a:fld>
             <a:endParaRPr lang="en-US"/>
           </a:p>
@@ -679,7 +679,7 @@
           <a:p>
             <a:fld id="{5BCAD085-E8A6-8845-BD4E-CB4CCA059FC4}" type="datetimeFigureOut">
               <a:rPr lang="en-US" smtClean="0"/>
-              <a:t>9/15/2024</a:t>
+              <a:t>10/11/2024</a:t>
             </a:fld>
             <a:endParaRPr lang="en-US"/>
           </a:p>
@@ -847,7 +847,7 @@
           <a:p>
             <a:fld id="{5BCAD085-E8A6-8845-BD4E-CB4CCA059FC4}" type="datetimeFigureOut">
               <a:rPr lang="en-US" smtClean="0"/>
-              <a:t>9/15/2024</a:t>
+              <a:t>10/11/2024</a:t>
             </a:fld>
             <a:endParaRPr lang="en-US"/>
           </a:p>
@@ -1092,7 +1092,7 @@
           <a:p>
             <a:fld id="{5BCAD085-E8A6-8845-BD4E-CB4CCA059FC4}" type="datetimeFigureOut">
               <a:rPr lang="en-US" smtClean="0"/>
-              <a:t>9/15/2024</a:t>
+              <a:t>10/11/2024</a:t>
             </a:fld>
             <a:endParaRPr lang="en-US"/>
           </a:p>
@@ -1377,7 +1377,7 @@
           <a:p>
             <a:fld id="{5BCAD085-E8A6-8845-BD4E-CB4CCA059FC4}" type="datetimeFigureOut">
               <a:rPr lang="en-US" smtClean="0"/>
-              <a:t>9/15/2024</a:t>
+              <a:t>10/11/2024</a:t>
             </a:fld>
             <a:endParaRPr lang="en-US"/>
           </a:p>
@@ -1796,7 +1796,7 @@
           <a:p>
             <a:fld id="{5BCAD085-E8A6-8845-BD4E-CB4CCA059FC4}" type="datetimeFigureOut">
               <a:rPr lang="en-US" smtClean="0"/>
-              <a:t>9/15/2024</a:t>
+              <a:t>10/11/2024</a:t>
             </a:fld>
             <a:endParaRPr lang="en-US"/>
           </a:p>
@@ -1913,7 +1913,7 @@
           <a:p>
             <a:fld id="{5BCAD085-E8A6-8845-BD4E-CB4CCA059FC4}" type="datetimeFigureOut">
               <a:rPr lang="en-US" smtClean="0"/>
-              <a:t>9/15/2024</a:t>
+              <a:t>10/11/2024</a:t>
             </a:fld>
             <a:endParaRPr lang="en-US"/>
           </a:p>
@@ -2008,7 +2008,7 @@
           <a:p>
             <a:fld id="{5BCAD085-E8A6-8845-BD4E-CB4CCA059FC4}" type="datetimeFigureOut">
               <a:rPr lang="en-US" smtClean="0"/>
-              <a:t>9/15/2024</a:t>
+              <a:t>10/11/2024</a:t>
             </a:fld>
             <a:endParaRPr lang="en-US"/>
           </a:p>
@@ -2283,7 +2283,7 @@
           <a:p>
             <a:fld id="{5BCAD085-E8A6-8845-BD4E-CB4CCA059FC4}" type="datetimeFigureOut">
               <a:rPr lang="en-US" smtClean="0"/>
-              <a:t>9/15/2024</a:t>
+              <a:t>10/11/2024</a:t>
             </a:fld>
             <a:endParaRPr lang="en-US"/>
           </a:p>
@@ -2535,7 +2535,7 @@
           <a:p>
             <a:fld id="{5BCAD085-E8A6-8845-BD4E-CB4CCA059FC4}" type="datetimeFigureOut">
               <a:rPr lang="en-US" smtClean="0"/>
-              <a:t>9/15/2024</a:t>
+              <a:t>10/11/2024</a:t>
             </a:fld>
             <a:endParaRPr lang="en-US"/>
           </a:p>
@@ -2746,7 +2746,7 @@
           <a:p>
             <a:fld id="{5BCAD085-E8A6-8845-BD4E-CB4CCA059FC4}" type="datetimeFigureOut">
               <a:rPr lang="en-US" smtClean="0"/>
-              <a:t>9/15/2024</a:t>
+              <a:t>10/11/2024</a:t>
             </a:fld>
             <a:endParaRPr lang="en-US"/>
           </a:p>
@@ -3696,7 +3696,7 @@
         <p:spPr/>
         <p:txBody>
           <a:bodyPr>
-            <a:normAutofit fontScale="85000" lnSpcReduction="10000"/>
+            <a:normAutofit fontScale="70000" lnSpcReduction="20000"/>
           </a:bodyPr>
           <a:lstStyle/>
           <a:p>
@@ -3776,6 +3776,62 @@
               <a:buNone/>
             </a:pPr>
             <a:r>
+              <a:rPr lang="fr-FR" b="0" i="0" dirty="0">
+                <a:solidFill>
+                  <a:srgbClr val="FFC000"/>
+                </a:solidFill>
+                <a:effectLst/>
+                <a:latin typeface="-apple-system"/>
+              </a:rPr>
+              <a:t>Appuyer le archi IT dynamique et hautement </a:t>
+            </a:r>
+            <a:r>
+              <a:rPr lang="fr-FR" b="0" i="0" dirty="0" err="1">
+                <a:solidFill>
+                  <a:srgbClr val="FFC000"/>
+                </a:solidFill>
+                <a:effectLst/>
+                <a:latin typeface="-apple-system"/>
+              </a:rPr>
+              <a:t>evolutive</a:t>
+            </a:r>
+            <a:endParaRPr lang="fr-FR" b="0" i="0" dirty="0">
+              <a:solidFill>
+                <a:srgbClr val="FFC000"/>
+              </a:solidFill>
+              <a:effectLst/>
+              <a:latin typeface="-apple-system"/>
+            </a:endParaRPr>
+          </a:p>
+          <a:p>
+            <a:pPr marL="0" indent="0" algn="l" fontAlgn="auto">
+              <a:buNone/>
+            </a:pPr>
+            <a:r>
+              <a:rPr lang="fr-FR" b="0" i="0" dirty="0">
+                <a:solidFill>
+                  <a:srgbClr val="FFC000"/>
+                </a:solidFill>
+                <a:effectLst/>
+                <a:latin typeface="-apple-system"/>
+              </a:rPr>
+              <a:t>Avec conviction.</a:t>
+            </a:r>
+          </a:p>
+          <a:p>
+            <a:pPr marL="0" indent="0" algn="l" fontAlgn="auto">
+              <a:buNone/>
+            </a:pPr>
+            <a:endParaRPr lang="fr-FR" b="0" i="0" dirty="0">
+              <a:effectLst/>
+              <a:latin typeface="-apple-system"/>
+            </a:endParaRPr>
+          </a:p>
+          <a:p>
+            <a:pPr marL="0" indent="0" algn="l" fontAlgn="auto">
+              <a:buNone/>
+            </a:pPr>
+            <a:r>
               <a:rPr lang="fr-FR" dirty="0">
                 <a:latin typeface="-apple-system"/>
               </a:rPr>
@@ -3786,7 +3842,7 @@
                 <a:effectLst/>
                 <a:latin typeface="-apple-system"/>
               </a:rPr>
-              <a:t>, facilite le développement, le déploiement et la gestion des microservices, Permettant aux entreprises d’avoir des applications modernes, résilientes et évolutives.</a:t>
+              <a:t>, facilite le développement, le déploiement et la gestion des microservices, permettant aux entreprises d’avoir des applications modernes, résilientes et évolutives.</a:t>
             </a:r>
             <a:r>
               <a:rPr lang="fr-FR" b="0" i="0" dirty="0">
@@ -11440,7 +11496,7 @@
         <p:spPr/>
         <p:txBody>
           <a:bodyPr>
-            <a:normAutofit fontScale="40000" lnSpcReduction="20000"/>
+            <a:normAutofit fontScale="32500" lnSpcReduction="20000"/>
           </a:bodyPr>
           <a:lstStyle/>
           <a:p>
@@ -11642,7 +11698,7 @@
                 <a:effectLst/>
                 <a:latin typeface="-apple-system"/>
               </a:rPr>
-              <a:t>st le service de découverte qui permet aux microservices de s’identifier et de communiquer 	entre eux. </a:t>
+              <a:t>st le service de découverte qui permet aux microservices de s’identifier et de communiquer entre eux. </a:t>
             </a:r>
           </a:p>
           <a:p>
@@ -11717,7 +11773,7 @@
             </a:pPr>
             <a:r>
               <a:rPr lang="fr-FR" sz="4000" dirty="0"/>
-              <a:t>Ouverture vers des optimisations futures : </a:t>
+              <a:t>Ouverture vers des optimisations futures : Hystrix Dashboard </a:t>
             </a:r>
             <a:r>
               <a:rPr lang="fr-FR" sz="4000" dirty="0" err="1"/>
@@ -12410,7 +12466,7 @@
           <p:nvPr>
             <p:extLst>
               <p:ext uri="{D42A27DB-BD31-4B8C-83A1-F6EECF244321}">
-                <p14:modId xmlns:p14="http://schemas.microsoft.com/office/powerpoint/2010/main" val="1733468521"/>
+                <p14:modId xmlns:p14="http://schemas.microsoft.com/office/powerpoint/2010/main" val="609617799"/>
               </p:ext>
             </p:extLst>
           </p:nvPr>
@@ -12467,7 +12523,7 @@
                       <a:pPr algn="ctr"/>
                       <a:r>
                         <a:rPr lang="fr-CH" dirty="0"/>
-                        <a:t>Avant</a:t>
+                        <a:t>Statique</a:t>
                       </a:r>
                       <a:endParaRPr lang="fr-FR" dirty="0"/>
                     </a:p>
@@ -12482,7 +12538,7 @@
                       <a:pPr algn="ctr"/>
                       <a:r>
                         <a:rPr lang="fr-CH" dirty="0"/>
-                        <a:t>Après</a:t>
+                        <a:t>Dynamique</a:t>
                       </a:r>
                       <a:endParaRPr lang="fr-FR" dirty="0"/>
                     </a:p>
@@ -13084,18 +13140,26 @@
                         <a:defRPr/>
                       </a:pPr>
                       <a:r>
-                        <a:rPr lang="fr-CH" sz="1200" dirty="0"/>
+                        <a:rPr lang="fr-CH" sz="1200" dirty="0">
+                          <a:solidFill>
+                            <a:srgbClr val="C00000"/>
+                          </a:solidFill>
+                        </a:rPr>
                         <a:t>Une seule base de connaissance, assurant la cohérence des données </a:t>
                       </a:r>
                       <a:r>
                         <a:rPr lang="fr-CH" sz="1200" b="1" dirty="0">
                           <a:solidFill>
-                            <a:srgbClr val="00B050"/>
+                            <a:srgbClr val="C00000"/>
                           </a:solidFill>
                         </a:rPr>
                         <a:t>(+)</a:t>
                       </a:r>
-                      <a:endParaRPr lang="fr-CH" sz="1200" dirty="0"/>
+                      <a:endParaRPr lang="fr-CH" sz="1200" dirty="0">
+                        <a:solidFill>
+                          <a:srgbClr val="C00000"/>
+                        </a:solidFill>
+                      </a:endParaRPr>
                     </a:p>
                     <a:p>
                       <a:pPr marL="285750" marR="0" lvl="0" indent="-285750" algn="l" defTabSz="457200" rtl="0" eaLnBrk="1" fontAlgn="auto" latinLnBrk="0" hangingPunct="1">
@@ -13116,18 +13180,26 @@
                         <a:defRPr/>
                       </a:pPr>
                       <a:r>
-                        <a:rPr lang="fr-CH" sz="1200" dirty="0"/>
+                        <a:rPr lang="fr-CH" sz="1200" dirty="0">
+                          <a:solidFill>
+                            <a:srgbClr val="C00000"/>
+                          </a:solidFill>
+                        </a:rPr>
                         <a:t>Base de données plus sollicitées, donc moins performantes</a:t>
                       </a:r>
                       <a:r>
                         <a:rPr lang="fr-CH" sz="1200" b="1" dirty="0">
                           <a:solidFill>
-                            <a:srgbClr val="FF0000"/>
+                            <a:srgbClr val="C00000"/>
                           </a:solidFill>
                         </a:rPr>
                         <a:t> (-)</a:t>
                       </a:r>
-                      <a:endParaRPr lang="fr-CH" sz="1200" dirty="0"/>
+                      <a:endParaRPr lang="fr-CH" sz="1200" dirty="0">
+                        <a:solidFill>
+                          <a:srgbClr val="C00000"/>
+                        </a:solidFill>
+                      </a:endParaRPr>
                     </a:p>
                     <a:p>
                       <a:pPr marL="285750" marR="0" lvl="0" indent="-285750" algn="l" defTabSz="457200" rtl="0" eaLnBrk="1" fontAlgn="auto" latinLnBrk="0" hangingPunct="1">
@@ -13148,18 +13220,26 @@
                         <a:defRPr/>
                       </a:pPr>
                       <a:r>
-                        <a:rPr lang="fr-CH" sz="1200" dirty="0"/>
+                        <a:rPr lang="fr-CH" sz="1200" dirty="0">
+                          <a:solidFill>
+                            <a:srgbClr val="C00000"/>
+                          </a:solidFill>
+                        </a:rPr>
                         <a:t>Montée de version ou  changement de produit plus difficile </a:t>
                       </a:r>
                       <a:r>
                         <a:rPr lang="fr-CH" sz="1200" b="1" dirty="0">
                           <a:solidFill>
-                            <a:srgbClr val="FF0000"/>
+                            <a:srgbClr val="C00000"/>
                           </a:solidFill>
                         </a:rPr>
                         <a:t>(-)</a:t>
                       </a:r>
-                      <a:endParaRPr lang="fr-FR" sz="1200" dirty="0"/>
+                      <a:endParaRPr lang="fr-FR" sz="1200" dirty="0">
+                        <a:solidFill>
+                          <a:srgbClr val="C00000"/>
+                        </a:solidFill>
+                      </a:endParaRPr>
                     </a:p>
                   </a:txBody>
                   <a:tcPr/>
@@ -13188,6 +13268,9 @@
                       </a:pPr>
                       <a:r>
                         <a:rPr lang="fr-FR" sz="1200" b="0" i="0" dirty="0">
+                          <a:solidFill>
+                            <a:srgbClr val="C00000"/>
+                          </a:solidFill>
                           <a:effectLst/>
                           <a:latin typeface="-apple-system"/>
                         </a:rPr>
@@ -13195,6 +13278,9 @@
                       </a:r>
                       <a:r>
                         <a:rPr lang="fr-FR" sz="1200" b="0" i="0" dirty="0" err="1">
+                          <a:solidFill>
+                            <a:srgbClr val="C00000"/>
+                          </a:solidFill>
                           <a:effectLst/>
                           <a:latin typeface="-apple-system"/>
                         </a:rPr>
@@ -13202,6 +13288,9 @@
                       </a:r>
                       <a:r>
                         <a:rPr lang="fr-FR" sz="1200" b="0" i="0" dirty="0">
+                          <a:solidFill>
+                            <a:srgbClr val="C00000"/>
+                          </a:solidFill>
                           <a:effectLst/>
                           <a:latin typeface="-apple-system"/>
                         </a:rPr>
@@ -13210,12 +13299,15 @@
                       <a:r>
                         <a:rPr lang="fr-CH" sz="1200" b="1" dirty="0">
                           <a:solidFill>
-                            <a:srgbClr val="00B050"/>
+                            <a:srgbClr val="C00000"/>
                           </a:solidFill>
                         </a:rPr>
                         <a:t>(+)</a:t>
                       </a:r>
                       <a:endParaRPr lang="fr-FR" sz="1200" b="0" i="0" dirty="0">
+                        <a:solidFill>
+                          <a:srgbClr val="C00000"/>
+                        </a:solidFill>
                         <a:effectLst/>
                         <a:latin typeface="-apple-system"/>
                       </a:endParaRPr>
@@ -13240,6 +13332,9 @@
                       </a:pPr>
                       <a:r>
                         <a:rPr lang="fr-FR" sz="1200" b="0" i="0" dirty="0">
+                          <a:solidFill>
+                            <a:srgbClr val="C00000"/>
+                          </a:solidFill>
                           <a:effectLst/>
                           <a:latin typeface="-apple-system"/>
                         </a:rPr>
@@ -13248,12 +13343,15 @@
                       <a:r>
                         <a:rPr lang="fr-CH" sz="1200" b="1" dirty="0">
                           <a:solidFill>
-                            <a:srgbClr val="00B050"/>
+                            <a:srgbClr val="C00000"/>
                           </a:solidFill>
                         </a:rPr>
                         <a:t>(+)</a:t>
                       </a:r>
                       <a:endParaRPr lang="fr-FR" sz="1200" b="0" i="0" dirty="0">
+                        <a:solidFill>
+                          <a:srgbClr val="C00000"/>
+                        </a:solidFill>
                         <a:effectLst/>
                         <a:latin typeface="-apple-system"/>
                       </a:endParaRPr>
@@ -13278,6 +13376,9 @@
                       </a:pPr>
                       <a:r>
                         <a:rPr lang="fr-FR" sz="1200" b="0" i="0" dirty="0">
+                          <a:solidFill>
+                            <a:srgbClr val="C00000"/>
+                          </a:solidFill>
                           <a:effectLst/>
                           <a:latin typeface="-apple-system"/>
                         </a:rPr>
@@ -13286,12 +13387,16 @@
                       <a:r>
                         <a:rPr lang="fr-CH" sz="1200" b="1" dirty="0">
                           <a:solidFill>
-                            <a:srgbClr val="FF0000"/>
+                            <a:srgbClr val="C00000"/>
                           </a:solidFill>
                         </a:rPr>
                         <a:t>(-)</a:t>
                       </a:r>
-                      <a:endParaRPr lang="fr-FR" sz="1200" dirty="0"/>
+                      <a:endParaRPr lang="fr-FR" sz="1200" dirty="0">
+                        <a:solidFill>
+                          <a:srgbClr val="C00000"/>
+                        </a:solidFill>
+                      </a:endParaRPr>
                     </a:p>
                   </a:txBody>
                   <a:tcPr/>
@@ -13358,28 +13463,6 @@
           <a:lstStyle/>
           <a:p>
             <a:endParaRPr lang="fr-FR"/>
-          </a:p>
-        </p:txBody>
-      </p:sp>
-      <p:sp>
-        <p:nvSpPr>
-          <p:cNvPr id="3" name="Content Placeholder 2"/>
-          <p:cNvSpPr>
-            <a:spLocks noGrp="1"/>
-          </p:cNvSpPr>
-          <p:nvPr>
-            <p:ph idx="1"/>
-          </p:nvPr>
-        </p:nvSpPr>
-        <p:spPr/>
-        <p:txBody>
-          <a:bodyPr/>
-          <a:lstStyle/>
-          <a:p>
-            <a:endParaRPr dirty="0"/>
-          </a:p>
-          <a:p>
-            <a:endParaRPr dirty="0"/>
           </a:p>
         </p:txBody>
       </p:sp>
@@ -13721,14 +13804,14 @@
           <p:nvPr>
             <p:extLst>
               <p:ext uri="{D42A27DB-BD31-4B8C-83A1-F6EECF244321}">
-                <p14:modId xmlns:p14="http://schemas.microsoft.com/office/powerpoint/2010/main" val="2190788208"/>
+                <p14:modId xmlns:p14="http://schemas.microsoft.com/office/powerpoint/2010/main" val="3924569274"/>
               </p:ext>
             </p:extLst>
           </p:nvPr>
         </p:nvGraphicFramePr>
         <p:xfrm>
           <a:off x="0" y="2180210"/>
-          <a:ext cx="9143999" cy="3205480"/>
+          <a:ext cx="9143999" cy="3388360"/>
         </p:xfrm>
         <a:graphic>
           <a:graphicData uri="http://schemas.openxmlformats.org/drawingml/2006/table">
@@ -13778,7 +13861,7 @@
                       <a:pPr algn="ctr"/>
                       <a:r>
                         <a:rPr lang="fr-CH" dirty="0"/>
-                        <a:t>Avant</a:t>
+                        <a:t>Statique</a:t>
                       </a:r>
                       <a:endParaRPr lang="fr-FR" dirty="0"/>
                     </a:p>
@@ -13793,7 +13876,7 @@
                       <a:pPr algn="ctr"/>
                       <a:r>
                         <a:rPr lang="fr-CH" dirty="0"/>
-                        <a:t>Après</a:t>
+                        <a:t>Dynamique</a:t>
                       </a:r>
                       <a:endParaRPr lang="fr-FR" dirty="0"/>
                     </a:p>
@@ -13850,18 +13933,26 @@
                         <a:defRPr/>
                       </a:pPr>
                       <a:r>
-                        <a:rPr lang="fr-CH" sz="1200" dirty="0"/>
+                        <a:rPr lang="fr-CH" sz="1200" dirty="0">
+                          <a:solidFill>
+                            <a:srgbClr val="C00000"/>
+                          </a:solidFill>
+                        </a:rPr>
                         <a:t>Evolution et montée de version plus difficile </a:t>
                       </a:r>
                       <a:r>
                         <a:rPr lang="fr-CH" sz="1200" b="1" dirty="0">
                           <a:solidFill>
-                            <a:srgbClr val="FF0000"/>
+                            <a:srgbClr val="C00000"/>
                           </a:solidFill>
                         </a:rPr>
                         <a:t>(-)</a:t>
                       </a:r>
-                      <a:endParaRPr lang="fr-FR" sz="1200" dirty="0"/>
+                      <a:endParaRPr lang="fr-FR" sz="1200" dirty="0">
+                        <a:solidFill>
+                          <a:srgbClr val="C00000"/>
+                        </a:solidFill>
+                      </a:endParaRPr>
                     </a:p>
                   </a:txBody>
                   <a:tcPr/>
@@ -13890,6 +13981,9 @@
                       </a:pPr>
                       <a:r>
                         <a:rPr lang="fr-FR" sz="1200" b="0" i="0" dirty="0">
+                          <a:solidFill>
+                            <a:srgbClr val="C00000"/>
+                          </a:solidFill>
                           <a:effectLst/>
                           <a:latin typeface="-apple-system"/>
                         </a:rPr>
@@ -13897,6 +13991,9 @@
                       </a:r>
                       <a:r>
                         <a:rPr lang="fr-FR" sz="1200" b="0" i="0" dirty="0" err="1">
+                          <a:solidFill>
+                            <a:srgbClr val="C00000"/>
+                          </a:solidFill>
                           <a:effectLst/>
                           <a:latin typeface="-apple-system"/>
                         </a:rPr>
@@ -13904,6 +14001,9 @@
                       </a:r>
                       <a:r>
                         <a:rPr lang="fr-FR" sz="1200" b="0" i="0" dirty="0">
+                          <a:solidFill>
+                            <a:srgbClr val="C00000"/>
+                          </a:solidFill>
                           <a:effectLst/>
                           <a:latin typeface="-apple-system"/>
                         </a:rPr>
@@ -13912,12 +14012,16 @@
                       <a:r>
                         <a:rPr lang="fr-CH" sz="1200" b="1" dirty="0">
                           <a:solidFill>
-                            <a:srgbClr val="00B050"/>
+                            <a:srgbClr val="C00000"/>
                           </a:solidFill>
                         </a:rPr>
                         <a:t>(+)</a:t>
                       </a:r>
-                      <a:endParaRPr lang="fr-FR" sz="1200" dirty="0"/>
+                      <a:endParaRPr lang="fr-FR" sz="1200" dirty="0">
+                        <a:solidFill>
+                          <a:srgbClr val="C00000"/>
+                        </a:solidFill>
+                      </a:endParaRPr>
                     </a:p>
                   </a:txBody>
                   <a:tcPr/>
@@ -14083,6 +14187,9 @@
                       </a:pPr>
                       <a:r>
                         <a:rPr lang="fr-CH" sz="1200" b="0" i="0" dirty="0">
+                          <a:solidFill>
+                            <a:srgbClr val="FFC000"/>
+                          </a:solidFill>
                           <a:effectLst/>
                           <a:latin typeface="-apple-system"/>
                         </a:rPr>
@@ -14090,6 +14197,9 @@
                       </a:r>
                       <a:r>
                         <a:rPr lang="fr-FR" sz="1200" b="0" i="0" dirty="0">
+                          <a:solidFill>
+                            <a:srgbClr val="FFC000"/>
+                          </a:solidFill>
                           <a:effectLst/>
                           <a:latin typeface="-apple-system"/>
                         </a:rPr>
@@ -14098,12 +14208,16 @@
                       <a:r>
                         <a:rPr lang="fr-CH" sz="1200" b="1" dirty="0">
                           <a:solidFill>
-                            <a:srgbClr val="FF0000"/>
+                            <a:srgbClr val="FFC000"/>
                           </a:solidFill>
                         </a:rPr>
                         <a:t>(-)</a:t>
                       </a:r>
-                      <a:endParaRPr lang="fr-FR" sz="1200" dirty="0"/>
+                      <a:endParaRPr lang="fr-FR" sz="1200" dirty="0">
+                        <a:solidFill>
+                          <a:srgbClr val="FFC000"/>
+                        </a:solidFill>
+                      </a:endParaRPr>
                     </a:p>
                   </a:txBody>
                   <a:tcPr/>
@@ -14132,6 +14246,9 @@
                       </a:pPr>
                       <a:r>
                         <a:rPr lang="fr-FR" sz="1200" b="0" i="0" dirty="0">
+                          <a:solidFill>
+                            <a:srgbClr val="FFC000"/>
+                          </a:solidFill>
                           <a:effectLst/>
                           <a:latin typeface="-apple-system"/>
                         </a:rPr>
@@ -14139,6 +14256,9 @@
                       </a:r>
                       <a:r>
                         <a:rPr lang="fr-FR" sz="1200" b="0" i="0" dirty="0" err="1">
+                          <a:solidFill>
+                            <a:srgbClr val="FFC000"/>
+                          </a:solidFill>
                           <a:effectLst/>
                           <a:latin typeface="-apple-system"/>
                         </a:rPr>
@@ -14146,24 +14266,35 @@
                       </a:r>
                       <a:r>
                         <a:rPr lang="fr-FR" sz="1200" b="0" i="0" dirty="0">
+                          <a:solidFill>
+                            <a:srgbClr val="FFC000"/>
+                          </a:solidFill>
                           <a:effectLst/>
                           <a:latin typeface="-apple-system"/>
                         </a:rPr>
                         <a:t> échoue, l'architecture microservices garantit que cela n’affecte pas l'ensemble de l’application</a:t>
                       </a:r>
                       <a:r>
-                        <a:rPr lang="fr-FR" sz="1200" dirty="0"/>
+                        <a:rPr lang="fr-FR" sz="1200" dirty="0">
+                          <a:solidFill>
+                            <a:srgbClr val="FFC000"/>
+                          </a:solidFill>
+                        </a:rPr>
                         <a:t> </a:t>
                       </a:r>
                       <a:r>
                         <a:rPr lang="fr-CH" sz="1200" b="1" dirty="0">
                           <a:solidFill>
-                            <a:srgbClr val="00B050"/>
+                            <a:srgbClr val="FFC000"/>
                           </a:solidFill>
                         </a:rPr>
                         <a:t>(+)</a:t>
                       </a:r>
-                      <a:endParaRPr lang="fr-FR" sz="1200" dirty="0"/>
+                      <a:endParaRPr lang="fr-FR" sz="1200" dirty="0">
+                        <a:solidFill>
+                          <a:srgbClr val="FFC000"/>
+                        </a:solidFill>
+                      </a:endParaRPr>
                     </a:p>
                   </a:txBody>
                   <a:tcPr/>
@@ -14337,6 +14468,41 @@
                         </a:rPr>
                         <a:t>(+)</a:t>
                       </a:r>
+                    </a:p>
+                    <a:p>
+                      <a:pPr marL="285750" marR="0" lvl="0" indent="-285750" algn="l" defTabSz="457200" rtl="0" eaLnBrk="1" fontAlgn="auto" latinLnBrk="0" hangingPunct="1">
+                        <a:lnSpc>
+                          <a:spcPct val="100000"/>
+                        </a:lnSpc>
+                        <a:spcBef>
+                          <a:spcPts val="0"/>
+                        </a:spcBef>
+                        <a:spcAft>
+                          <a:spcPts val="0"/>
+                        </a:spcAft>
+                        <a:buClrTx/>
+                        <a:buSzTx/>
+                        <a:buFont typeface="Arial" panose="020B0604020202020204" pitchFamily="34" charset="0"/>
+                        <a:buChar char="•"/>
+                        <a:tabLst/>
+                        <a:defRPr/>
+                      </a:pPr>
+                      <a:r>
+                        <a:rPr lang="fr-CH" sz="1200" b="1" dirty="0">
+                          <a:solidFill>
+                            <a:srgbClr val="00B050"/>
+                          </a:solidFill>
+                        </a:rPr>
+                        <a:t>Transfert de charge entre dev et </a:t>
+                      </a:r>
+                      <a:r>
+                        <a:rPr lang="fr-CH" sz="1200" b="1" dirty="0" err="1">
+                          <a:solidFill>
+                            <a:srgbClr val="00B050"/>
+                          </a:solidFill>
+                        </a:rPr>
+                        <a:t>ops</a:t>
+                      </a:r>
                       <a:endParaRPr lang="fr-FR" sz="1200" dirty="0"/>
                     </a:p>
                   </a:txBody>
@@ -14496,6 +14662,49 @@
                           </a:solidFill>
                         </a:rPr>
                         <a:t>(+)</a:t>
+                      </a:r>
+                    </a:p>
+                    <a:p>
+                      <a:pPr marL="285750" marR="0" lvl="0" indent="-285750" algn="l" defTabSz="457200" rtl="0" eaLnBrk="1" fontAlgn="auto" latinLnBrk="0" hangingPunct="1">
+                        <a:lnSpc>
+                          <a:spcPct val="100000"/>
+                        </a:lnSpc>
+                        <a:spcBef>
+                          <a:spcPts val="0"/>
+                        </a:spcBef>
+                        <a:spcAft>
+                          <a:spcPts val="0"/>
+                        </a:spcAft>
+                        <a:buClrTx/>
+                        <a:buSzTx/>
+                        <a:buFont typeface="Arial" panose="020B0604020202020204" pitchFamily="34" charset="0"/>
+                        <a:buChar char="•"/>
+                        <a:tabLst/>
+                        <a:defRPr/>
+                      </a:pPr>
+                      <a:r>
+                        <a:rPr lang="fr-CH" sz="1200" b="1" dirty="0" err="1">
+                          <a:solidFill>
+                            <a:srgbClr val="00B050"/>
+                          </a:solidFill>
+                        </a:rPr>
+                        <a:t>Accer</a:t>
+                      </a:r>
+                      <a:r>
+                        <a:rPr lang="fr-CH" sz="1200" b="1" dirty="0">
+                          <a:solidFill>
+                            <a:srgbClr val="00B050"/>
+                          </a:solidFill>
+                        </a:rPr>
+                        <a:t> sur l’axe live du </a:t>
+                      </a:r>
+                      <a:r>
+                        <a:rPr lang="fr-CH" sz="1200" b="1" dirty="0" err="1">
+                          <a:solidFill>
+                            <a:srgbClr val="00B050"/>
+                          </a:solidFill>
+                        </a:rPr>
+                        <a:t>deploy</a:t>
                       </a:r>
                       <a:endParaRPr lang="fr-CH" sz="1200" b="1" dirty="0">
                         <a:solidFill>
